--- a/documents/Block Certify.pptx
+++ b/documents/Block Certify.pptx
@@ -132,6 +132,50 @@
     </p:extLst>
   </p:cmAuthor>
 </p:cmAuthorLst>
+</file>
+
+<file path=ppt/changesInfos/changesInfo1.xml><?xml version="1.0" encoding="utf-8"?>
+<pc:chgInfo xmlns:a="http://schemas.openxmlformats.org/drawingml/2006/main" xmlns:r="http://schemas.openxmlformats.org/officeDocument/2006/relationships" xmlns:ac="http://schemas.microsoft.com/office/drawing/2013/main/command" xmlns:pc="http://schemas.microsoft.com/office/powerpoint/2013/main/command">
+  <pc:docChgLst>
+    <pc:chgData name="Rikiya Maeda" userId="ce695ebd2b5d9526" providerId="LiveId" clId="{E8CCED95-DE29-4BF6-8BCF-D281AE06DF2E}"/>
+    <pc:docChg chg="undo custSel modSld">
+      <pc:chgData name="Rikiya Maeda" userId="ce695ebd2b5d9526" providerId="LiveId" clId="{E8CCED95-DE29-4BF6-8BCF-D281AE06DF2E}" dt="2024-01-16T10:29:41.081" v="18" actId="20577"/>
+      <pc:docMkLst>
+        <pc:docMk/>
+      </pc:docMkLst>
+      <pc:sldChg chg="modSp mod">
+        <pc:chgData name="Rikiya Maeda" userId="ce695ebd2b5d9526" providerId="LiveId" clId="{E8CCED95-DE29-4BF6-8BCF-D281AE06DF2E}" dt="2024-01-16T10:29:41.081" v="18" actId="20577"/>
+        <pc:sldMkLst>
+          <pc:docMk/>
+          <pc:sldMk cId="1639470100" sldId="259"/>
+        </pc:sldMkLst>
+        <pc:spChg chg="mod">
+          <ac:chgData name="Rikiya Maeda" userId="ce695ebd2b5d9526" providerId="LiveId" clId="{E8CCED95-DE29-4BF6-8BCF-D281AE06DF2E}" dt="2024-01-16T10:29:41.081" v="18" actId="20577"/>
+          <ac:spMkLst>
+            <pc:docMk/>
+            <pc:sldMk cId="1639470100" sldId="259"/>
+            <ac:spMk id="20" creationId="{7D2335E2-0C64-40F8-B7A0-E9A42F73B1A8}"/>
+          </ac:spMkLst>
+        </pc:spChg>
+      </pc:sldChg>
+      <pc:sldChg chg="modSp mod">
+        <pc:chgData name="Rikiya Maeda" userId="ce695ebd2b5d9526" providerId="LiveId" clId="{E8CCED95-DE29-4BF6-8BCF-D281AE06DF2E}" dt="2024-01-16T10:25:31.023" v="12" actId="20577"/>
+        <pc:sldMkLst>
+          <pc:docMk/>
+          <pc:sldMk cId="4143202101" sldId="261"/>
+        </pc:sldMkLst>
+        <pc:spChg chg="mod">
+          <ac:chgData name="Rikiya Maeda" userId="ce695ebd2b5d9526" providerId="LiveId" clId="{E8CCED95-DE29-4BF6-8BCF-D281AE06DF2E}" dt="2024-01-16T10:25:31.023" v="12" actId="20577"/>
+          <ac:spMkLst>
+            <pc:docMk/>
+            <pc:sldMk cId="4143202101" sldId="261"/>
+            <ac:spMk id="3" creationId="{3C876596-F6E7-4CA9-AA1B-91DB079A36FF}"/>
+          </ac:spMkLst>
+        </pc:spChg>
+      </pc:sldChg>
+    </pc:docChg>
+  </pc:docChgLst>
+</pc:chgInfo>
 </file>
 
 <file path=ppt/charts/chart1.xml><?xml version="1.0" encoding="utf-8"?>
@@ -279,7 +323,7 @@
                   <c:v>65</c:v>
                 </c:pt>
                 <c:pt idx="4">
-                  <c:v>40</c:v>
+                  <c:v>75</c:v>
                 </c:pt>
               </c:numCache>
             </c:numRef>
@@ -4709,7 +4753,7 @@
           <a:p>
             <a:fld id="{C97FD318-CA6E-4054-949A-79463128053E}" type="datetimeFigureOut">
               <a:rPr kumimoji="1" lang="ja-JP" altLang="en-US" smtClean="0"/>
-              <a:t>2023/9/15</a:t>
+              <a:t>2024/1/16</a:t>
             </a:fld>
             <a:endParaRPr kumimoji="1" lang="ja-JP" altLang="en-US"/>
           </a:p>
@@ -5225,7 +5269,7 @@
           <a:p>
             <a:fld id="{A4361E95-B934-455B-9A27-D9D1181399DB}" type="datetimeFigureOut">
               <a:rPr kumimoji="1" lang="ja-JP" altLang="en-US" smtClean="0"/>
-              <a:t>2023/9/15</a:t>
+              <a:t>2024/1/16</a:t>
             </a:fld>
             <a:endParaRPr kumimoji="1" lang="ja-JP" altLang="en-US"/>
           </a:p>
@@ -5512,7 +5556,7 @@
           <a:p>
             <a:fld id="{A4361E95-B934-455B-9A27-D9D1181399DB}" type="datetimeFigureOut">
               <a:rPr kumimoji="1" lang="ja-JP" altLang="en-US" smtClean="0"/>
-              <a:t>2023/9/15</a:t>
+              <a:t>2024/1/16</a:t>
             </a:fld>
             <a:endParaRPr kumimoji="1" lang="ja-JP" altLang="en-US"/>
           </a:p>
@@ -5704,7 +5748,7 @@
           <a:p>
             <a:fld id="{A4361E95-B934-455B-9A27-D9D1181399DB}" type="datetimeFigureOut">
               <a:rPr kumimoji="1" lang="ja-JP" altLang="en-US" smtClean="0"/>
-              <a:t>2023/9/15</a:t>
+              <a:t>2024/1/16</a:t>
             </a:fld>
             <a:endParaRPr kumimoji="1" lang="ja-JP" altLang="en-US"/>
           </a:p>
@@ -5965,7 +6009,7 @@
           <a:p>
             <a:fld id="{A4361E95-B934-455B-9A27-D9D1181399DB}" type="datetimeFigureOut">
               <a:rPr kumimoji="1" lang="ja-JP" altLang="en-US" smtClean="0"/>
-              <a:t>2023/9/15</a:t>
+              <a:t>2024/1/16</a:t>
             </a:fld>
             <a:endParaRPr kumimoji="1" lang="ja-JP" altLang="en-US"/>
           </a:p>
@@ -6389,7 +6433,7 @@
           <a:p>
             <a:fld id="{A4361E95-B934-455B-9A27-D9D1181399DB}" type="datetimeFigureOut">
               <a:rPr kumimoji="1" lang="ja-JP" altLang="en-US" smtClean="0"/>
-              <a:t>2023/9/15</a:t>
+              <a:t>2024/1/16</a:t>
             </a:fld>
             <a:endParaRPr kumimoji="1" lang="ja-JP" altLang="en-US"/>
           </a:p>
@@ -6935,7 +6979,7 @@
           <a:p>
             <a:fld id="{A4361E95-B934-455B-9A27-D9D1181399DB}" type="datetimeFigureOut">
               <a:rPr kumimoji="1" lang="ja-JP" altLang="en-US" smtClean="0"/>
-              <a:t>2023/9/15</a:t>
+              <a:t>2024/1/16</a:t>
             </a:fld>
             <a:endParaRPr kumimoji="1" lang="ja-JP" altLang="en-US"/>
           </a:p>
@@ -7775,7 +7819,7 @@
           <a:p>
             <a:fld id="{A4361E95-B934-455B-9A27-D9D1181399DB}" type="datetimeFigureOut">
               <a:rPr kumimoji="1" lang="ja-JP" altLang="en-US" smtClean="0"/>
-              <a:t>2023/9/15</a:t>
+              <a:t>2024/1/16</a:t>
             </a:fld>
             <a:endParaRPr kumimoji="1" lang="ja-JP" altLang="en-US"/>
           </a:p>
@@ -7977,7 +8021,7 @@
           <a:p>
             <a:fld id="{A4361E95-B934-455B-9A27-D9D1181399DB}" type="datetimeFigureOut">
               <a:rPr kumimoji="1" lang="ja-JP" altLang="en-US" smtClean="0"/>
-              <a:t>2023/9/15</a:t>
+              <a:t>2024/1/16</a:t>
             </a:fld>
             <a:endParaRPr kumimoji="1" lang="ja-JP" altLang="en-US"/>
           </a:p>
@@ -8193,7 +8237,7 @@
           <a:p>
             <a:fld id="{A4361E95-B934-455B-9A27-D9D1181399DB}" type="datetimeFigureOut">
               <a:rPr kumimoji="1" lang="ja-JP" altLang="en-US" smtClean="0"/>
-              <a:t>2023/9/15</a:t>
+              <a:t>2024/1/16</a:t>
             </a:fld>
             <a:endParaRPr kumimoji="1" lang="ja-JP" altLang="en-US"/>
           </a:p>
@@ -8395,7 +8439,7 @@
           <a:p>
             <a:fld id="{A4361E95-B934-455B-9A27-D9D1181399DB}" type="datetimeFigureOut">
               <a:rPr kumimoji="1" lang="ja-JP" altLang="en-US" smtClean="0"/>
-              <a:t>2023/9/15</a:t>
+              <a:t>2024/1/16</a:t>
             </a:fld>
             <a:endParaRPr kumimoji="1" lang="ja-JP" altLang="en-US"/>
           </a:p>
@@ -8643,7 +8687,7 @@
           <a:p>
             <a:fld id="{A4361E95-B934-455B-9A27-D9D1181399DB}" type="datetimeFigureOut">
               <a:rPr kumimoji="1" lang="ja-JP" altLang="en-US" smtClean="0"/>
-              <a:t>2023/9/15</a:t>
+              <a:t>2024/1/16</a:t>
             </a:fld>
             <a:endParaRPr kumimoji="1" lang="ja-JP" altLang="en-US"/>
           </a:p>
@@ -8944,7 +8988,7 @@
           <a:p>
             <a:fld id="{A4361E95-B934-455B-9A27-D9D1181399DB}" type="datetimeFigureOut">
               <a:rPr kumimoji="1" lang="ja-JP" altLang="en-US" smtClean="0"/>
-              <a:t>2023/9/15</a:t>
+              <a:t>2024/1/16</a:t>
             </a:fld>
             <a:endParaRPr kumimoji="1" lang="ja-JP" altLang="en-US"/>
           </a:p>
@@ -9381,7 +9425,7 @@
           <a:p>
             <a:fld id="{A4361E95-B934-455B-9A27-D9D1181399DB}" type="datetimeFigureOut">
               <a:rPr kumimoji="1" lang="ja-JP" altLang="en-US" smtClean="0"/>
-              <a:t>2023/9/15</a:t>
+              <a:t>2024/1/16</a:t>
             </a:fld>
             <a:endParaRPr kumimoji="1" lang="ja-JP" altLang="en-US"/>
           </a:p>
@@ -9499,7 +9543,7 @@
           <a:p>
             <a:fld id="{A4361E95-B934-455B-9A27-D9D1181399DB}" type="datetimeFigureOut">
               <a:rPr kumimoji="1" lang="ja-JP" altLang="en-US" smtClean="0"/>
-              <a:t>2023/9/15</a:t>
+              <a:t>2024/1/16</a:t>
             </a:fld>
             <a:endParaRPr kumimoji="1" lang="ja-JP" altLang="en-US"/>
           </a:p>
@@ -9594,7 +9638,7 @@
           <a:p>
             <a:fld id="{A4361E95-B934-455B-9A27-D9D1181399DB}" type="datetimeFigureOut">
               <a:rPr kumimoji="1" lang="ja-JP" altLang="en-US" smtClean="0"/>
-              <a:t>2023/9/15</a:t>
+              <a:t>2024/1/16</a:t>
             </a:fld>
             <a:endParaRPr kumimoji="1" lang="ja-JP" altLang="en-US"/>
           </a:p>
@@ -9877,7 +9921,7 @@
           <a:p>
             <a:fld id="{A4361E95-B934-455B-9A27-D9D1181399DB}" type="datetimeFigureOut">
               <a:rPr kumimoji="1" lang="ja-JP" altLang="en-US" smtClean="0"/>
-              <a:t>2023/9/15</a:t>
+              <a:t>2024/1/16</a:t>
             </a:fld>
             <a:endParaRPr kumimoji="1" lang="ja-JP" altLang="en-US"/>
           </a:p>
@@ -10164,7 +10208,7 @@
           <a:p>
             <a:fld id="{A4361E95-B934-455B-9A27-D9D1181399DB}" type="datetimeFigureOut">
               <a:rPr kumimoji="1" lang="ja-JP" altLang="en-US" smtClean="0"/>
-              <a:t>2023/9/15</a:t>
+              <a:t>2024/1/16</a:t>
             </a:fld>
             <a:endParaRPr kumimoji="1" lang="ja-JP" altLang="en-US"/>
           </a:p>
@@ -10409,7 +10453,7 @@
           <a:p>
             <a:fld id="{A4361E95-B934-455B-9A27-D9D1181399DB}" type="datetimeFigureOut">
               <a:rPr kumimoji="1" lang="ja-JP" altLang="en-US" smtClean="0"/>
-              <a:t>2023/9/15</a:t>
+              <a:t>2024/1/16</a:t>
             </a:fld>
             <a:endParaRPr kumimoji="1" lang="ja-JP" altLang="en-US"/>
           </a:p>
@@ -12001,7 +12045,7 @@
             <p:ph idx="1"/>
             <p:extLst>
               <p:ext uri="{D42A27DB-BD31-4B8C-83A1-F6EECF244321}">
-                <p14:modId xmlns:p14="http://schemas.microsoft.com/office/powerpoint/2010/main" val="3051992320"/>
+                <p14:modId xmlns:p14="http://schemas.microsoft.com/office/powerpoint/2010/main" val="3556942615"/>
               </p:ext>
             </p:extLst>
           </p:nvPr>
@@ -12031,7 +12075,7 @@
         <p:spPr>
           <a:xfrm>
             <a:off x="634620" y="2624189"/>
-            <a:ext cx="5227093" cy="1785104"/>
+            <a:ext cx="5227093" cy="1231106"/>
           </a:xfrm>
           <a:prstGeom prst="rect">
             <a:avLst/>
@@ -12061,11 +12105,6 @@
               <a:rPr lang="ja-JP" altLang="en-US" dirty="0"/>
               <a:t>を目指します。</a:t>
             </a:r>
-          </a:p>
-          <a:p>
-            <a:br>
-              <a:rPr lang="ja-JP" altLang="en-US" dirty="0"/>
-            </a:br>
             <a:endParaRPr kumimoji="1" lang="ja-JP" altLang="en-US" dirty="0"/>
           </a:p>
         </p:txBody>
@@ -14618,7 +14657,7 @@
               <a:rPr lang="ja-JP" altLang="en-US" dirty="0">
                 <a:effectLst/>
               </a:rPr>
-              <a:t>にて独自認証局の作成（試作段階）</a:t>
+              <a:t>にて独自認証局の作成</a:t>
             </a:r>
             <a:endParaRPr lang="en-US" altLang="ja-JP" dirty="0">
               <a:effectLst/>
@@ -15194,8 +15233,8 @@
           </a:p>
         </p:txBody>
       </p:sp>
-      <mc:AlternateContent xmlns:mc="http://schemas.openxmlformats.org/markup-compatibility/2006">
-        <mc:Choice xmlns:p14="http://schemas.microsoft.com/office/powerpoint/2010/main" Requires="p14">
+      <mc:AlternateContent xmlns:mc="http://schemas.openxmlformats.org/markup-compatibility/2006" xmlns:p14="http://schemas.microsoft.com/office/powerpoint/2010/main">
+        <mc:Choice Requires="p14">
           <p:contentPart p14:bwMode="auto" r:id="rId7">
             <p14:nvContentPartPr>
               <p14:cNvPr id="17" name="インク 16">
@@ -15214,7 +15253,7 @@
             </p14:xfrm>
           </p:contentPart>
         </mc:Choice>
-        <mc:Fallback>
+        <mc:Fallback xmlns="">
           <p:pic>
             <p:nvPicPr>
               <p:cNvPr id="17" name="インク 16">
@@ -15245,8 +15284,8 @@
           </p:pic>
         </mc:Fallback>
       </mc:AlternateContent>
-      <mc:AlternateContent xmlns:mc="http://schemas.openxmlformats.org/markup-compatibility/2006">
-        <mc:Choice xmlns:p14="http://schemas.microsoft.com/office/powerpoint/2010/main" Requires="p14">
+      <mc:AlternateContent xmlns:mc="http://schemas.openxmlformats.org/markup-compatibility/2006" xmlns:p14="http://schemas.microsoft.com/office/powerpoint/2010/main">
+        <mc:Choice Requires="p14">
           <p:contentPart p14:bwMode="auto" r:id="rId9">
             <p14:nvContentPartPr>
               <p14:cNvPr id="25" name="インク 24">
@@ -15265,7 +15304,7 @@
             </p14:xfrm>
           </p:contentPart>
         </mc:Choice>
-        <mc:Fallback>
+        <mc:Fallback xmlns="">
           <p:pic>
             <p:nvPicPr>
               <p:cNvPr id="25" name="インク 24">
@@ -15296,8 +15335,8 @@
           </p:pic>
         </mc:Fallback>
       </mc:AlternateContent>
-      <mc:AlternateContent xmlns:mc="http://schemas.openxmlformats.org/markup-compatibility/2006">
-        <mc:Choice xmlns:p14="http://schemas.microsoft.com/office/powerpoint/2010/main" Requires="p14">
+      <mc:AlternateContent xmlns:mc="http://schemas.openxmlformats.org/markup-compatibility/2006" xmlns:p14="http://schemas.microsoft.com/office/powerpoint/2010/main">
+        <mc:Choice Requires="p14">
           <p:contentPart p14:bwMode="auto" r:id="rId11">
             <p14:nvContentPartPr>
               <p14:cNvPr id="26" name="インク 25">
@@ -15316,7 +15355,7 @@
             </p14:xfrm>
           </p:contentPart>
         </mc:Choice>
-        <mc:Fallback>
+        <mc:Fallback xmlns="">
           <p:pic>
             <p:nvPicPr>
               <p:cNvPr id="26" name="インク 25">
@@ -15919,15 +15958,6 @@
           <a:effectLst>
             <a:reflection blurRad="12700" stA="38000" endPos="28000" dist="5000" dir="5400000" sy="-100000" algn="bl" rotWithShape="0"/>
           </a:effectLst>
-          <a:extLst>
-            <a:ext uri="{909E8E84-426E-40DD-AFC4-6F175D3DCCD1}">
-              <a14:hiddenFill xmlns:a14="http://schemas.microsoft.com/office/drawing/2010/main">
-                <a:solidFill>
-                  <a:srgbClr val="FFFFFF"/>
-                </a:solidFill>
-              </a14:hiddenFill>
-            </a:ext>
-          </a:extLst>
         </p:spPr>
       </p:pic>
       <p:pic>
@@ -15978,15 +16008,6 @@
           <a:effectLst>
             <a:reflection blurRad="12700" stA="38000" endPos="28000" dist="5000" dir="5400000" sy="-100000" algn="bl" rotWithShape="0"/>
           </a:effectLst>
-          <a:extLst>
-            <a:ext uri="{909E8E84-426E-40DD-AFC4-6F175D3DCCD1}">
-              <a14:hiddenFill xmlns:a14="http://schemas.microsoft.com/office/drawing/2010/main">
-                <a:solidFill>
-                  <a:srgbClr val="FFFFFF"/>
-                </a:solidFill>
-              </a14:hiddenFill>
-            </a:ext>
-          </a:extLst>
         </p:spPr>
       </p:pic>
       <p:pic>
